--- a/Chatroom Project.pptx
+++ b/Chatroom Project.pptx
@@ -11,12 +11,13 @@
     <p:sldId id="259" r:id="rId5"/>
     <p:sldId id="260" r:id="rId6"/>
     <p:sldId id="266" r:id="rId7"/>
-    <p:sldId id="261" r:id="rId8"/>
-    <p:sldId id="262" r:id="rId9"/>
-    <p:sldId id="263" r:id="rId10"/>
-    <p:sldId id="267" r:id="rId11"/>
+    <p:sldId id="268" r:id="rId8"/>
+    <p:sldId id="261" r:id="rId9"/>
+    <p:sldId id="262" r:id="rId10"/>
+    <p:sldId id="263" r:id="rId11"/>
     <p:sldId id="264" r:id="rId12"/>
-    <p:sldId id="265" r:id="rId13"/>
+    <p:sldId id="267" r:id="rId13"/>
+    <p:sldId id="265" r:id="rId14"/>
   </p:sldIdLst>
   <p:sldSz cx="9144000" cy="6858000" type="screen4x3"/>
   <p:notesSz cx="6858000" cy="9144000"/>
@@ -130,6 +131,7 @@
             <p14:sldId id="259"/>
             <p14:sldId id="260"/>
             <p14:sldId id="266"/>
+            <p14:sldId id="268"/>
           </p14:sldIdLst>
         </p14:section>
         <p14:section name="V2.0" id="{7E888EC2-3730-433C-AE01-2D56074FF826}">
@@ -137,8 +139,8 @@
             <p14:sldId id="261"/>
             <p14:sldId id="262"/>
             <p14:sldId id="263"/>
+            <p14:sldId id="264"/>
             <p14:sldId id="267"/>
-            <p14:sldId id="264"/>
             <p14:sldId id="265"/>
           </p14:sldIdLst>
         </p14:section>
@@ -4010,7 +4012,7 @@
           <a:p>
             <a:r>
               <a:rPr lang="en-US" dirty="0" smtClean="0"/>
-              <a:t>Updated GUI</a:t>
+              <a:t>Change Name</a:t>
             </a:r>
             <a:endParaRPr lang="en-US" dirty="0"/>
           </a:p>
@@ -4031,68 +4033,31 @@
           <a:bodyPr/>
           <a:lstStyle/>
           <a:p>
-            <a:endParaRPr lang="en-US" dirty="0"/>
-          </a:p>
-        </p:txBody>
-      </p:sp>
-      <p:pic>
-        <p:nvPicPr>
-          <p:cNvPr id="2050" name="Picture 2"/>
-          <p:cNvPicPr>
-            <a:picLocks noChangeAspect="1" noChangeArrowheads="1"/>
-          </p:cNvPicPr>
-          <p:nvPr/>
-        </p:nvPicPr>
-        <p:blipFill>
-          <a:blip r:embed="rId2">
-            <a:extLst>
-              <a:ext uri="{28A0092B-C50C-407E-A947-70E740481C1C}">
-                <a14:useLocalDpi xmlns:a14="http://schemas.microsoft.com/office/drawing/2010/main" val="0"/>
-              </a:ext>
-            </a:extLst>
-          </a:blip>
-          <a:srcRect/>
-          <a:stretch>
-            <a:fillRect/>
-          </a:stretch>
-        </p:blipFill>
-        <p:spPr bwMode="auto">
-          <a:xfrm>
-            <a:off x="1600199" y="1981200"/>
-            <a:ext cx="5400675" cy="4249711"/>
-          </a:xfrm>
-          <a:prstGeom prst="rect">
-            <a:avLst/>
-          </a:prstGeom>
-          <a:noFill/>
-          <a:ln>
-            <a:noFill/>
-          </a:ln>
-          <a:extLst>
-            <a:ext uri="{909E8E84-426E-40DD-AFC4-6F175D3DCCD1}">
-              <a14:hiddenFill xmlns:a14="http://schemas.microsoft.com/office/drawing/2010/main">
-                <a:solidFill>
-                  <a:schemeClr val="accent1"/>
-                </a:solidFill>
-              </a14:hiddenFill>
-            </a:ext>
-            <a:ext uri="{91240B29-F687-4F45-9708-019B960494DF}">
-              <a14:hiddenLine xmlns:a14="http://schemas.microsoft.com/office/drawing/2010/main" w="9525">
-                <a:solidFill>
-                  <a:schemeClr val="tx1"/>
-                </a:solidFill>
-                <a:miter lim="800000"/>
-                <a:headEnd/>
-                <a:tailEnd/>
-              </a14:hiddenLine>
-            </a:ext>
-          </a:extLst>
-        </p:spPr>
-      </p:pic>
+            <a:r>
+              <a:rPr lang="en-US" dirty="0" smtClean="0"/>
+              <a:t>Updated </a:t>
+            </a:r>
+            <a:r>
+              <a:rPr lang="en-US" dirty="0" err="1" smtClean="0"/>
+              <a:t>serverside</a:t>
+            </a:r>
+            <a:r>
+              <a:rPr lang="en-US" dirty="0" smtClean="0"/>
+              <a:t> “NAME” handling</a:t>
+            </a:r>
+          </a:p>
+          <a:p>
+            <a:r>
+              <a:rPr lang="en-US" dirty="0" smtClean="0"/>
+              <a:t>Client now sends “NAME” request when receives signal from GUI</a:t>
+            </a:r>
+          </a:p>
+        </p:txBody>
+      </p:sp>
     </p:spTree>
     <p:extLst>
       <p:ext uri="{BB962C8B-B14F-4D97-AF65-F5344CB8AC3E}">
-        <p14:creationId xmlns:p14="http://schemas.microsoft.com/office/powerpoint/2010/main" val="2812881626"/>
+        <p14:creationId xmlns:p14="http://schemas.microsoft.com/office/powerpoint/2010/main" val="3559955654"/>
       </p:ext>
     </p:extLst>
   </p:cSld>
@@ -4242,6 +4207,206 @@
           <a:p>
             <a:r>
               <a:rPr lang="en-US" dirty="0" smtClean="0"/>
+              <a:t>Updated GUI</a:t>
+            </a:r>
+            <a:endParaRPr lang="en-US" dirty="0"/>
+          </a:p>
+        </p:txBody>
+      </p:sp>
+      <p:sp>
+        <p:nvSpPr>
+          <p:cNvPr id="3" name="Content Placeholder 2"/>
+          <p:cNvSpPr>
+            <a:spLocks noGrp="1"/>
+          </p:cNvSpPr>
+          <p:nvPr>
+            <p:ph idx="1"/>
+          </p:nvPr>
+        </p:nvSpPr>
+        <p:spPr/>
+        <p:txBody>
+          <a:bodyPr/>
+          <a:lstStyle/>
+          <a:p>
+            <a:endParaRPr lang="en-US" dirty="0"/>
+          </a:p>
+        </p:txBody>
+      </p:sp>
+      <p:pic>
+        <p:nvPicPr>
+          <p:cNvPr id="1028" name="Picture 4"/>
+          <p:cNvPicPr>
+            <a:picLocks noChangeAspect="1" noChangeArrowheads="1"/>
+          </p:cNvPicPr>
+          <p:nvPr/>
+        </p:nvPicPr>
+        <p:blipFill>
+          <a:blip r:embed="rId2">
+            <a:extLst>
+              <a:ext uri="{28A0092B-C50C-407E-A947-70E740481C1C}">
+                <a14:useLocalDpi xmlns:a14="http://schemas.microsoft.com/office/drawing/2010/main" val="0"/>
+              </a:ext>
+            </a:extLst>
+          </a:blip>
+          <a:srcRect/>
+          <a:stretch>
+            <a:fillRect/>
+          </a:stretch>
+        </p:blipFill>
+        <p:spPr bwMode="auto">
+          <a:xfrm>
+            <a:off x="5486400" y="2743200"/>
+            <a:ext cx="1762125" cy="1524000"/>
+          </a:xfrm>
+          <a:prstGeom prst="rect">
+            <a:avLst/>
+          </a:prstGeom>
+          <a:noFill/>
+          <a:ln>
+            <a:noFill/>
+          </a:ln>
+          <a:effectLst/>
+          <a:extLst>
+            <a:ext uri="{909E8E84-426E-40DD-AFC4-6F175D3DCCD1}">
+              <a14:hiddenFill xmlns:a14="http://schemas.microsoft.com/office/drawing/2010/main">
+                <a:solidFill>
+                  <a:schemeClr val="accent1"/>
+                </a:solidFill>
+              </a14:hiddenFill>
+            </a:ext>
+            <a:ext uri="{91240B29-F687-4F45-9708-019B960494DF}">
+              <a14:hiddenLine xmlns:a14="http://schemas.microsoft.com/office/drawing/2010/main" w="9525">
+                <a:solidFill>
+                  <a:schemeClr val="tx1"/>
+                </a:solidFill>
+                <a:miter lim="800000"/>
+                <a:headEnd/>
+                <a:tailEnd/>
+              </a14:hiddenLine>
+            </a:ext>
+            <a:ext uri="{AF507438-7753-43E0-B8FC-AC1667EBCBE1}">
+              <a14:hiddenEffects xmlns:a14="http://schemas.microsoft.com/office/drawing/2010/main">
+                <a:effectLst>
+                  <a:outerShdw dist="35921" dir="2700000" algn="ctr" rotWithShape="0">
+                    <a:schemeClr val="bg2"/>
+                  </a:outerShdw>
+                </a:effectLst>
+              </a14:hiddenEffects>
+            </a:ext>
+          </a:extLst>
+        </p:spPr>
+      </p:pic>
+      <p:pic>
+        <p:nvPicPr>
+          <p:cNvPr id="1029" name="Picture 5"/>
+          <p:cNvPicPr>
+            <a:picLocks noChangeAspect="1" noChangeArrowheads="1"/>
+          </p:cNvPicPr>
+          <p:nvPr/>
+        </p:nvPicPr>
+        <p:blipFill>
+          <a:blip r:embed="rId3">
+            <a:extLst>
+              <a:ext uri="{28A0092B-C50C-407E-A947-70E740481C1C}">
+                <a14:useLocalDpi xmlns:a14="http://schemas.microsoft.com/office/drawing/2010/main" val="0"/>
+              </a:ext>
+            </a:extLst>
+          </a:blip>
+          <a:srcRect/>
+          <a:stretch>
+            <a:fillRect/>
+          </a:stretch>
+        </p:blipFill>
+        <p:spPr bwMode="auto">
+          <a:xfrm>
+            <a:off x="762000" y="1981200"/>
+            <a:ext cx="3486150" cy="2714625"/>
+          </a:xfrm>
+          <a:prstGeom prst="rect">
+            <a:avLst/>
+          </a:prstGeom>
+          <a:noFill/>
+          <a:ln>
+            <a:noFill/>
+          </a:ln>
+          <a:effectLst/>
+          <a:extLst>
+            <a:ext uri="{909E8E84-426E-40DD-AFC4-6F175D3DCCD1}">
+              <a14:hiddenFill xmlns:a14="http://schemas.microsoft.com/office/drawing/2010/main">
+                <a:solidFill>
+                  <a:schemeClr val="accent1"/>
+                </a:solidFill>
+              </a14:hiddenFill>
+            </a:ext>
+            <a:ext uri="{91240B29-F687-4F45-9708-019B960494DF}">
+              <a14:hiddenLine xmlns:a14="http://schemas.microsoft.com/office/drawing/2010/main" w="9525">
+                <a:solidFill>
+                  <a:schemeClr val="tx1"/>
+                </a:solidFill>
+                <a:miter lim="800000"/>
+                <a:headEnd/>
+                <a:tailEnd/>
+              </a14:hiddenLine>
+            </a:ext>
+            <a:ext uri="{AF507438-7753-43E0-B8FC-AC1667EBCBE1}">
+              <a14:hiddenEffects xmlns:a14="http://schemas.microsoft.com/office/drawing/2010/main">
+                <a:effectLst>
+                  <a:outerShdw dist="35921" dir="2700000" algn="ctr" rotWithShape="0">
+                    <a:schemeClr val="bg2"/>
+                  </a:outerShdw>
+                </a:effectLst>
+              </a14:hiddenEffects>
+            </a:ext>
+          </a:extLst>
+        </p:spPr>
+      </p:pic>
+    </p:spTree>
+    <p:extLst>
+      <p:ext uri="{BB962C8B-B14F-4D97-AF65-F5344CB8AC3E}">
+        <p14:creationId xmlns:p14="http://schemas.microsoft.com/office/powerpoint/2010/main" val="2812881626"/>
+      </p:ext>
+    </p:extLst>
+  </p:cSld>
+  <p:clrMapOvr>
+    <a:masterClrMapping/>
+  </p:clrMapOvr>
+</p:sld>
+</file>
+
+<file path=ppt/slides/slide13.xml><?xml version="1.0" encoding="utf-8"?>
+<p:sld xmlns:a="http://schemas.openxmlformats.org/drawingml/2006/main" xmlns:r="http://schemas.openxmlformats.org/officeDocument/2006/relationships" xmlns:p="http://schemas.openxmlformats.org/presentationml/2006/main">
+  <p:cSld>
+    <p:spTree>
+      <p:nvGrpSpPr>
+        <p:cNvPr id="1" name=""/>
+        <p:cNvGrpSpPr/>
+        <p:nvPr/>
+      </p:nvGrpSpPr>
+      <p:grpSpPr>
+        <a:xfrm>
+          <a:off x="0" y="0"/>
+          <a:ext cx="0" cy="0"/>
+          <a:chOff x="0" y="0"/>
+          <a:chExt cx="0" cy="0"/>
+        </a:xfrm>
+      </p:grpSpPr>
+      <p:sp>
+        <p:nvSpPr>
+          <p:cNvPr id="2" name="Title 1"/>
+          <p:cNvSpPr>
+            <a:spLocks noGrp="1"/>
+          </p:cNvSpPr>
+          <p:nvPr>
+            <p:ph type="title"/>
+          </p:nvPr>
+        </p:nvSpPr>
+        <p:spPr/>
+        <p:txBody>
+          <a:bodyPr/>
+          <a:lstStyle/>
+          <a:p>
+            <a:r>
+              <a:rPr lang="en-US" dirty="0" smtClean="0"/>
               <a:t>Updated Client Requests</a:t>
             </a:r>
             <a:endParaRPr lang="en-US" dirty="0"/>
@@ -4684,8 +4849,23 @@
           <a:lstStyle/>
           <a:p>
             <a:r>
-              <a:rPr lang="en-US" dirty="0" err="1" smtClean="0"/>
+              <a:rPr lang="en-US" dirty="0" smtClean="0"/>
               <a:t>PyQT</a:t>
+            </a:r>
+          </a:p>
+          <a:p>
+            <a:pPr lvl="1"/>
+            <a:r>
+              <a:rPr lang="en-US" dirty="0" smtClean="0"/>
+              <a:t>Qt is a cross-platform </a:t>
+            </a:r>
+            <a:r>
+              <a:rPr lang="en-US" dirty="0"/>
+              <a:t>application and UI </a:t>
+            </a:r>
+            <a:r>
+              <a:rPr lang="en-US" dirty="0" smtClean="0"/>
+              <a:t>framework</a:t>
             </a:r>
             <a:endParaRPr lang="en-US" dirty="0" smtClean="0"/>
           </a:p>
@@ -4725,13 +4905,8 @@
           <a:p>
             <a:r>
               <a:rPr lang="en-US" dirty="0" smtClean="0"/>
-              <a:t>Send Button - </a:t>
-            </a:r>
-            <a:r>
-              <a:rPr lang="en-US" smtClean="0"/>
-              <a:t>QPushButton</a:t>
-            </a:r>
-            <a:endParaRPr lang="en-US" dirty="0" smtClean="0"/>
+              <a:t>Send Button - QPushButton</a:t>
+            </a:r>
           </a:p>
           <a:p>
             <a:endParaRPr lang="en-US" dirty="0"/>
@@ -4911,59 +5086,210 @@
           <a:p>
             <a:r>
               <a:rPr lang="en-US" dirty="0" smtClean="0"/>
-              <a:t>Version 2.0</a:t>
+              <a:t>Signal / Slot Architecture</a:t>
             </a:r>
             <a:endParaRPr lang="en-US" dirty="0"/>
           </a:p>
         </p:txBody>
       </p:sp>
-      <p:sp>
-        <p:nvSpPr>
-          <p:cNvPr id="3" name="Text Placeholder 2"/>
-          <p:cNvSpPr>
-            <a:spLocks noGrp="1"/>
-          </p:cNvSpPr>
-          <p:nvPr>
-            <p:ph type="body" idx="1"/>
-          </p:nvPr>
-        </p:nvSpPr>
-        <p:spPr/>
-        <p:txBody>
-          <a:bodyPr>
-            <a:normAutofit lnSpcReduction="10000"/>
-          </a:bodyPr>
-          <a:lstStyle/>
-          <a:p>
-            <a:r>
-              <a:rPr lang="en-US" dirty="0" smtClean="0"/>
-              <a:t>Language Translation</a:t>
-            </a:r>
-          </a:p>
-          <a:p>
-            <a:r>
-              <a:rPr lang="en-US" dirty="0" smtClean="0"/>
-              <a:t>Change Name</a:t>
-            </a:r>
-          </a:p>
-          <a:p>
-            <a:r>
-              <a:rPr lang="en-US" dirty="0" smtClean="0"/>
-              <a:t>Updated GUI</a:t>
-            </a:r>
-          </a:p>
-          <a:p>
-            <a:r>
-              <a:rPr lang="en-US" dirty="0" smtClean="0"/>
-              <a:t>Updated Client Requests</a:t>
-            </a:r>
-            <a:endParaRPr lang="en-US" dirty="0"/>
-          </a:p>
-        </p:txBody>
-      </p:sp>
+      <p:pic>
+        <p:nvPicPr>
+          <p:cNvPr id="2050" name="Picture 2"/>
+          <p:cNvPicPr>
+            <a:picLocks noGrp="1" noChangeAspect="1" noChangeArrowheads="1"/>
+          </p:cNvPicPr>
+          <p:nvPr>
+            <p:ph idx="1"/>
+          </p:nvPr>
+        </p:nvPicPr>
+        <p:blipFill>
+          <a:blip r:embed="rId2">
+            <a:extLst>
+              <a:ext uri="{28A0092B-C50C-407E-A947-70E740481C1C}">
+                <a14:useLocalDpi xmlns:a14="http://schemas.microsoft.com/office/drawing/2010/main" val="0"/>
+              </a:ext>
+            </a:extLst>
+          </a:blip>
+          <a:srcRect/>
+          <a:stretch>
+            <a:fillRect/>
+          </a:stretch>
+        </p:blipFill>
+        <p:spPr bwMode="auto">
+          <a:xfrm>
+            <a:off x="76200" y="1828800"/>
+            <a:ext cx="7571815" cy="2209800"/>
+          </a:xfrm>
+          <a:prstGeom prst="rect">
+            <a:avLst/>
+          </a:prstGeom>
+          <a:noFill/>
+          <a:ln>
+            <a:noFill/>
+          </a:ln>
+          <a:effectLst/>
+          <a:extLst>
+            <a:ext uri="{909E8E84-426E-40DD-AFC4-6F175D3DCCD1}">
+              <a14:hiddenFill xmlns:a14="http://schemas.microsoft.com/office/drawing/2010/main">
+                <a:solidFill>
+                  <a:schemeClr val="accent1"/>
+                </a:solidFill>
+              </a14:hiddenFill>
+            </a:ext>
+            <a:ext uri="{91240B29-F687-4F45-9708-019B960494DF}">
+              <a14:hiddenLine xmlns:a14="http://schemas.microsoft.com/office/drawing/2010/main" w="9525">
+                <a:solidFill>
+                  <a:schemeClr val="tx1"/>
+                </a:solidFill>
+                <a:miter lim="800000"/>
+                <a:headEnd/>
+                <a:tailEnd/>
+              </a14:hiddenLine>
+            </a:ext>
+            <a:ext uri="{AF507438-7753-43E0-B8FC-AC1667EBCBE1}">
+              <a14:hiddenEffects xmlns:a14="http://schemas.microsoft.com/office/drawing/2010/main">
+                <a:effectLst>
+                  <a:outerShdw dist="35921" dir="2700000" algn="ctr" rotWithShape="0">
+                    <a:schemeClr val="bg2"/>
+                  </a:outerShdw>
+                </a:effectLst>
+              </a14:hiddenEffects>
+            </a:ext>
+          </a:extLst>
+        </p:spPr>
+      </p:pic>
+      <p:pic>
+        <p:nvPicPr>
+          <p:cNvPr id="2051" name="Picture 3"/>
+          <p:cNvPicPr>
+            <a:picLocks noChangeAspect="1" noChangeArrowheads="1"/>
+          </p:cNvPicPr>
+          <p:nvPr/>
+        </p:nvPicPr>
+        <p:blipFill>
+          <a:blip r:embed="rId3">
+            <a:extLst>
+              <a:ext uri="{28A0092B-C50C-407E-A947-70E740481C1C}">
+                <a14:useLocalDpi xmlns:a14="http://schemas.microsoft.com/office/drawing/2010/main" val="0"/>
+              </a:ext>
+            </a:extLst>
+          </a:blip>
+          <a:srcRect/>
+          <a:stretch>
+            <a:fillRect/>
+          </a:stretch>
+        </p:blipFill>
+        <p:spPr bwMode="auto">
+          <a:xfrm>
+            <a:off x="152400" y="4164927"/>
+            <a:ext cx="5029200" cy="1423745"/>
+          </a:xfrm>
+          <a:prstGeom prst="rect">
+            <a:avLst/>
+          </a:prstGeom>
+          <a:noFill/>
+          <a:ln>
+            <a:noFill/>
+          </a:ln>
+          <a:effectLst/>
+          <a:extLst>
+            <a:ext uri="{909E8E84-426E-40DD-AFC4-6F175D3DCCD1}">
+              <a14:hiddenFill xmlns:a14="http://schemas.microsoft.com/office/drawing/2010/main">
+                <a:solidFill>
+                  <a:schemeClr val="accent1"/>
+                </a:solidFill>
+              </a14:hiddenFill>
+            </a:ext>
+            <a:ext uri="{91240B29-F687-4F45-9708-019B960494DF}">
+              <a14:hiddenLine xmlns:a14="http://schemas.microsoft.com/office/drawing/2010/main" w="9525">
+                <a:solidFill>
+                  <a:schemeClr val="tx1"/>
+                </a:solidFill>
+                <a:miter lim="800000"/>
+                <a:headEnd/>
+                <a:tailEnd/>
+              </a14:hiddenLine>
+            </a:ext>
+            <a:ext uri="{AF507438-7753-43E0-B8FC-AC1667EBCBE1}">
+              <a14:hiddenEffects xmlns:a14="http://schemas.microsoft.com/office/drawing/2010/main">
+                <a:effectLst>
+                  <a:outerShdw dist="35921" dir="2700000" algn="ctr" rotWithShape="0">
+                    <a:schemeClr val="bg2"/>
+                  </a:outerShdw>
+                </a:effectLst>
+              </a14:hiddenEffects>
+            </a:ext>
+          </a:extLst>
+        </p:spPr>
+      </p:pic>
+      <p:pic>
+        <p:nvPicPr>
+          <p:cNvPr id="2052" name="Picture 4"/>
+          <p:cNvPicPr>
+            <a:picLocks noChangeAspect="1" noChangeArrowheads="1"/>
+          </p:cNvPicPr>
+          <p:nvPr/>
+        </p:nvPicPr>
+        <p:blipFill>
+          <a:blip r:embed="rId4">
+            <a:extLst>
+              <a:ext uri="{28A0092B-C50C-407E-A947-70E740481C1C}">
+                <a14:useLocalDpi xmlns:a14="http://schemas.microsoft.com/office/drawing/2010/main" val="0"/>
+              </a:ext>
+            </a:extLst>
+          </a:blip>
+          <a:srcRect/>
+          <a:stretch>
+            <a:fillRect/>
+          </a:stretch>
+        </p:blipFill>
+        <p:spPr bwMode="auto">
+          <a:xfrm>
+            <a:off x="4752975" y="4876799"/>
+            <a:ext cx="4391025" cy="1762125"/>
+          </a:xfrm>
+          <a:prstGeom prst="rect">
+            <a:avLst/>
+          </a:prstGeom>
+          <a:noFill/>
+          <a:ln>
+            <a:noFill/>
+          </a:ln>
+          <a:effectLst/>
+          <a:extLst>
+            <a:ext uri="{909E8E84-426E-40DD-AFC4-6F175D3DCCD1}">
+              <a14:hiddenFill xmlns:a14="http://schemas.microsoft.com/office/drawing/2010/main">
+                <a:solidFill>
+                  <a:schemeClr val="accent1"/>
+                </a:solidFill>
+              </a14:hiddenFill>
+            </a:ext>
+            <a:ext uri="{91240B29-F687-4F45-9708-019B960494DF}">
+              <a14:hiddenLine xmlns:a14="http://schemas.microsoft.com/office/drawing/2010/main" w="9525">
+                <a:solidFill>
+                  <a:schemeClr val="tx1"/>
+                </a:solidFill>
+                <a:miter lim="800000"/>
+                <a:headEnd/>
+                <a:tailEnd/>
+              </a14:hiddenLine>
+            </a:ext>
+            <a:ext uri="{AF507438-7753-43E0-B8FC-AC1667EBCBE1}">
+              <a14:hiddenEffects xmlns:a14="http://schemas.microsoft.com/office/drawing/2010/main">
+                <a:effectLst>
+                  <a:outerShdw dist="35921" dir="2700000" algn="ctr" rotWithShape="0">
+                    <a:schemeClr val="bg2"/>
+                  </a:outerShdw>
+                </a:effectLst>
+              </a14:hiddenEffects>
+            </a:ext>
+          </a:extLst>
+        </p:spPr>
+      </p:pic>
     </p:spTree>
     <p:extLst>
       <p:ext uri="{BB962C8B-B14F-4D97-AF65-F5344CB8AC3E}">
-        <p14:creationId xmlns:p14="http://schemas.microsoft.com/office/powerpoint/2010/main" val="2580502115"/>
+        <p14:creationId xmlns:p14="http://schemas.microsoft.com/office/powerpoint/2010/main" val="4039178174"/>
       </p:ext>
     </p:extLst>
   </p:cSld>
@@ -4992,7 +5318,7 @@
       </p:grpSpPr>
       <p:sp>
         <p:nvSpPr>
-          <p:cNvPr id="4" name="Title 3"/>
+          <p:cNvPr id="2" name="Title 1"/>
           <p:cNvSpPr>
             <a:spLocks noGrp="1"/>
           </p:cNvSpPr>
@@ -5007,61 +5333,59 @@
           <a:p>
             <a:r>
               <a:rPr lang="en-US" dirty="0" smtClean="0"/>
+              <a:t>Version 2.0</a:t>
+            </a:r>
+            <a:endParaRPr lang="en-US" dirty="0"/>
+          </a:p>
+        </p:txBody>
+      </p:sp>
+      <p:sp>
+        <p:nvSpPr>
+          <p:cNvPr id="3" name="Text Placeholder 2"/>
+          <p:cNvSpPr>
+            <a:spLocks noGrp="1"/>
+          </p:cNvSpPr>
+          <p:nvPr>
+            <p:ph type="body" idx="1"/>
+          </p:nvPr>
+        </p:nvSpPr>
+        <p:spPr/>
+        <p:txBody>
+          <a:bodyPr>
+            <a:normAutofit lnSpcReduction="10000"/>
+          </a:bodyPr>
+          <a:lstStyle/>
+          <a:p>
+            <a:r>
+              <a:rPr lang="en-US" dirty="0" smtClean="0"/>
               <a:t>Language Translation</a:t>
             </a:r>
+          </a:p>
+          <a:p>
+            <a:r>
+              <a:rPr lang="en-US" dirty="0" smtClean="0"/>
+              <a:t>Change Name</a:t>
+            </a:r>
+          </a:p>
+          <a:p>
+            <a:r>
+              <a:rPr lang="en-US" dirty="0" smtClean="0"/>
+              <a:t>Updated GUI</a:t>
+            </a:r>
+          </a:p>
+          <a:p>
+            <a:r>
+              <a:rPr lang="en-US" dirty="0" smtClean="0"/>
+              <a:t>Updated Client Requests</a:t>
+            </a:r>
             <a:endParaRPr lang="en-US" dirty="0"/>
-          </a:p>
-        </p:txBody>
-      </p:sp>
-      <p:sp>
-        <p:nvSpPr>
-          <p:cNvPr id="5" name="Content Placeholder 4"/>
-          <p:cNvSpPr>
-            <a:spLocks noGrp="1"/>
-          </p:cNvSpPr>
-          <p:nvPr>
-            <p:ph idx="1"/>
-          </p:nvPr>
-        </p:nvSpPr>
-        <p:spPr/>
-        <p:txBody>
-          <a:bodyPr/>
-          <a:lstStyle/>
-          <a:p>
-            <a:r>
-              <a:rPr lang="en-US" dirty="0" smtClean="0"/>
-              <a:t>Google translate</a:t>
-            </a:r>
-          </a:p>
-          <a:p>
-            <a:r>
-              <a:rPr lang="en-US" dirty="0" smtClean="0"/>
-              <a:t>Handled </a:t>
-            </a:r>
-            <a:r>
-              <a:rPr lang="en-US" dirty="0" err="1" smtClean="0"/>
-              <a:t>serverside</a:t>
-            </a:r>
-            <a:endParaRPr lang="en-US" dirty="0" smtClean="0"/>
-          </a:p>
-          <a:p>
-            <a:r>
-              <a:rPr lang="en-US" dirty="0" smtClean="0"/>
-              <a:t>New “LANG” request</a:t>
-            </a:r>
-          </a:p>
-          <a:p>
-            <a:r>
-              <a:rPr lang="en-US" dirty="0" smtClean="0"/>
-              <a:t>Client Tuples now contain a fourth slot for language</a:t>
-            </a:r>
           </a:p>
         </p:txBody>
       </p:sp>
     </p:spTree>
     <p:extLst>
       <p:ext uri="{BB962C8B-B14F-4D97-AF65-F5344CB8AC3E}">
-        <p14:creationId xmlns:p14="http://schemas.microsoft.com/office/powerpoint/2010/main" val="3529711222"/>
+        <p14:creationId xmlns:p14="http://schemas.microsoft.com/office/powerpoint/2010/main" val="2580502115"/>
       </p:ext>
     </p:extLst>
   </p:cSld>
@@ -5090,7 +5414,7 @@
       </p:grpSpPr>
       <p:sp>
         <p:nvSpPr>
-          <p:cNvPr id="2" name="Title 1"/>
+          <p:cNvPr id="4" name="Title 3"/>
           <p:cNvSpPr>
             <a:spLocks noGrp="1"/>
           </p:cNvSpPr>
@@ -5105,7 +5429,7 @@
           <a:p>
             <a:r>
               <a:rPr lang="en-US" dirty="0" smtClean="0"/>
-              <a:t>Change Name</a:t>
+              <a:t>Language Translation</a:t>
             </a:r>
             <a:endParaRPr lang="en-US" dirty="0"/>
           </a:p>
@@ -5113,7 +5437,7 @@
       </p:sp>
       <p:sp>
         <p:nvSpPr>
-          <p:cNvPr id="3" name="Content Placeholder 2"/>
+          <p:cNvPr id="5" name="Content Placeholder 4"/>
           <p:cNvSpPr>
             <a:spLocks noGrp="1"/>
           </p:cNvSpPr>
@@ -5128,21 +5452,30 @@
           <a:p>
             <a:r>
               <a:rPr lang="en-US" dirty="0" smtClean="0"/>
-              <a:t>Updated </a:t>
+              <a:t>Google translate</a:t>
+            </a:r>
+          </a:p>
+          <a:p>
+            <a:r>
+              <a:rPr lang="en-US" dirty="0" smtClean="0"/>
+              <a:t>Handled </a:t>
             </a:r>
             <a:r>
               <a:rPr lang="en-US" dirty="0" err="1" smtClean="0"/>
               <a:t>serverside</a:t>
             </a:r>
-            <a:r>
-              <a:rPr lang="en-US" dirty="0" smtClean="0"/>
-              <a:t> “NAME” handling</a:t>
-            </a:r>
-          </a:p>
-          <a:p>
-            <a:r>
-              <a:rPr lang="en-US" dirty="0" smtClean="0"/>
-              <a:t>Client now sends “NAME” request when receives signal from GUI</a:t>
+            <a:endParaRPr lang="en-US" dirty="0" smtClean="0"/>
+          </a:p>
+          <a:p>
+            <a:r>
+              <a:rPr lang="en-US" dirty="0" smtClean="0"/>
+              <a:t>New “LANG” request</a:t>
+            </a:r>
+          </a:p>
+          <a:p>
+            <a:r>
+              <a:rPr lang="en-US" dirty="0" smtClean="0"/>
+              <a:t>Client Tuples now contain a fourth slot for language</a:t>
             </a:r>
           </a:p>
         </p:txBody>
@@ -5150,7 +5483,7 @@
     </p:spTree>
     <p:extLst>
       <p:ext uri="{BB962C8B-B14F-4D97-AF65-F5344CB8AC3E}">
-        <p14:creationId xmlns:p14="http://schemas.microsoft.com/office/powerpoint/2010/main" val="3559955654"/>
+        <p14:creationId xmlns:p14="http://schemas.microsoft.com/office/powerpoint/2010/main" val="3529711222"/>
       </p:ext>
     </p:extLst>
   </p:cSld>
